--- a/paper_src/img/Boot_software.pptx
+++ b/paper_src/img/Boot_software.pptx
@@ -1296,6 +1296,13 @@
         </dgm:presLayoutVars>
       </dgm:prSet>
       <dgm:spPr/>
+      <dgm:t>
+        <a:bodyPr/>
+        <a:lstStyle/>
+        <a:p>
+          <a:endParaRPr lang="en-US"/>
+        </a:p>
+      </dgm:t>
     </dgm:pt>
     <dgm:pt modelId="{B1C10693-3FDF-4C3C-AEC2-94B276C40A46}" type="pres">
       <dgm:prSet presAssocID="{8662D02D-C0DF-45B9-9CA8-ACADF479104C}" presName="arrow" presStyleLbl="bgShp" presStyleIdx="0" presStyleCnt="1"/>
@@ -1306,19 +1313,26 @@
       <dgm:spPr/>
     </dgm:pt>
     <dgm:pt modelId="{CAAE3274-8468-4101-85FF-9A9E0AD31838}" type="pres">
-      <dgm:prSet presAssocID="{DFE2A561-7C8A-4E71-BB40-128F49716345}" presName="bullet3a" presStyleLbl="node1" presStyleIdx="0" presStyleCnt="3"/>
+      <dgm:prSet presAssocID="{DFE2A561-7C8A-4E71-BB40-128F49716345}" presName="bullet3a" presStyleLbl="node1" presStyleIdx="0" presStyleCnt="3" custFlipVert="1" custScaleX="497629" custScaleY="461779"/>
       <dgm:spPr/>
     </dgm:pt>
     <dgm:pt modelId="{9D487184-28A2-449B-B1B2-2D99ECD47F2D}" type="pres">
-      <dgm:prSet presAssocID="{DFE2A561-7C8A-4E71-BB40-128F49716345}" presName="textBox3a" presStyleLbl="revTx" presStyleIdx="0" presStyleCnt="3">
+      <dgm:prSet presAssocID="{DFE2A561-7C8A-4E71-BB40-128F49716345}" presName="textBox3a" presStyleLbl="revTx" presStyleIdx="0" presStyleCnt="3" custScaleX="95167" custScaleY="102147">
         <dgm:presLayoutVars>
           <dgm:bulletEnabled val="1"/>
         </dgm:presLayoutVars>
       </dgm:prSet>
       <dgm:spPr/>
+      <dgm:t>
+        <a:bodyPr/>
+        <a:lstStyle/>
+        <a:p>
+          <a:endParaRPr lang="en-US"/>
+        </a:p>
+      </dgm:t>
     </dgm:pt>
     <dgm:pt modelId="{E2E41673-D875-44C9-BEA9-248F9593D341}" type="pres">
-      <dgm:prSet presAssocID="{99F16189-4A3A-4CFC-8DDB-7DA2028E3F07}" presName="bullet3b" presStyleLbl="node1" presStyleIdx="1" presStyleCnt="3"/>
+      <dgm:prSet presAssocID="{99F16189-4A3A-4CFC-8DDB-7DA2028E3F07}" presName="bullet3b" presStyleLbl="node1" presStyleIdx="1" presStyleCnt="3" custScaleX="359843" custScaleY="331240"/>
       <dgm:spPr/>
     </dgm:pt>
     <dgm:pt modelId="{FE32940C-1419-4213-9E1A-2D99E79E8EBB}" type="pres">
@@ -1328,9 +1342,16 @@
         </dgm:presLayoutVars>
       </dgm:prSet>
       <dgm:spPr/>
+      <dgm:t>
+        <a:bodyPr/>
+        <a:lstStyle/>
+        <a:p>
+          <a:endParaRPr lang="en-US"/>
+        </a:p>
+      </dgm:t>
     </dgm:pt>
     <dgm:pt modelId="{08DCE733-2D2B-4E26-9314-991D7E61BA8C}" type="pres">
-      <dgm:prSet presAssocID="{E3438905-02E3-449A-8689-7CDEED8B7C98}" presName="bullet3c" presStyleLbl="node1" presStyleIdx="2" presStyleCnt="3"/>
+      <dgm:prSet presAssocID="{E3438905-02E3-449A-8689-7CDEED8B7C98}" presName="bullet3c" presStyleLbl="node1" presStyleIdx="2" presStyleCnt="3" custScaleX="328258" custScaleY="312584"/>
       <dgm:spPr/>
     </dgm:pt>
     <dgm:pt modelId="{82FDCF26-43B0-4EC9-BBCE-B38BEBD6CE05}" type="pres">
@@ -1340,30 +1361,37 @@
         </dgm:presLayoutVars>
       </dgm:prSet>
       <dgm:spPr/>
+      <dgm:t>
+        <a:bodyPr/>
+        <a:lstStyle/>
+        <a:p>
+          <a:endParaRPr lang="en-US"/>
+        </a:p>
+      </dgm:t>
     </dgm:pt>
   </dgm:ptLst>
   <dgm:cxnLst>
+    <dgm:cxn modelId="{1B9CE65F-A640-4622-B726-11A071DBF5DC}" srcId="{8662D02D-C0DF-45B9-9CA8-ACADF479104C}" destId="{99F16189-4A3A-4CFC-8DDB-7DA2028E3F07}" srcOrd="1" destOrd="0" parTransId="{7530A670-E05B-47E8-BABC-84AFE91B827C}" sibTransId="{63A6B33D-600C-4E90-A32E-FCC21FC2786D}"/>
+    <dgm:cxn modelId="{27E6D726-CDE5-4AF4-A2B4-10B275630415}" type="presOf" srcId="{489BD5A0-6969-4FD8-844B-F84D73361C89}" destId="{9D487184-28A2-449B-B1B2-2D99ECD47F2D}" srcOrd="0" destOrd="1" presId="urn:microsoft.com/office/officeart/2005/8/layout/arrow2"/>
+    <dgm:cxn modelId="{BD49D208-830C-4250-9D0D-C89A27F2CD7D}" srcId="{E3438905-02E3-449A-8689-7CDEED8B7C98}" destId="{C2B11AFF-E799-4891-8239-BCC8A62CEC10}" srcOrd="0" destOrd="0" parTransId="{1811ECAA-F3AD-4B18-B30D-512E9230DEE4}" sibTransId="{93FF218F-F43B-4691-8DE1-27F4FDE36CE9}"/>
+    <dgm:cxn modelId="{231305D9-8B84-43D3-A4CD-E9482A5ADA13}" type="presOf" srcId="{E3438905-02E3-449A-8689-7CDEED8B7C98}" destId="{82FDCF26-43B0-4EC9-BBCE-B38BEBD6CE05}" srcOrd="0" destOrd="0" presId="urn:microsoft.com/office/officeart/2005/8/layout/arrow2"/>
+    <dgm:cxn modelId="{AE3534B0-354B-4821-BB98-E286CB675ACE}" type="presOf" srcId="{DFE2A561-7C8A-4E71-BB40-128F49716345}" destId="{9D487184-28A2-449B-B1B2-2D99ECD47F2D}" srcOrd="0" destOrd="0" presId="urn:microsoft.com/office/officeart/2005/8/layout/arrow2"/>
+    <dgm:cxn modelId="{B84E9588-6C5C-4FFC-A0D8-FA0C03572B94}" srcId="{99F16189-4A3A-4CFC-8DDB-7DA2028E3F07}" destId="{EA3A863E-570E-4EB8-BFD6-CF5FADBE5C46}" srcOrd="0" destOrd="0" parTransId="{42F4EF82-973B-4B82-98F1-515D195AE6EC}" sibTransId="{CCDC4233-8D30-4B3B-8366-3B2F3553A01C}"/>
+    <dgm:cxn modelId="{92E92947-7ACF-4E31-ABEE-13951469F38E}" type="presOf" srcId="{1BD45B29-13C6-4A82-9C9F-80E345BEC4B1}" destId="{82FDCF26-43B0-4EC9-BBCE-B38BEBD6CE05}" srcOrd="0" destOrd="3" presId="urn:microsoft.com/office/officeart/2005/8/layout/arrow2"/>
+    <dgm:cxn modelId="{B893BD71-D2CF-4E83-A735-30A199C1CEF9}" srcId="{C2B11AFF-E799-4891-8239-BCC8A62CEC10}" destId="{0556176A-6CC3-475A-B183-9C2DABC87862}" srcOrd="0" destOrd="0" parTransId="{F2DA73CC-7B4B-4178-AEE1-2513CFAD1433}" sibTransId="{824F3435-2FEF-49AD-B3B4-DA23C8E37D80}"/>
+    <dgm:cxn modelId="{76187162-6E4C-4A94-A8AB-29CE58A59354}" type="presOf" srcId="{8662D02D-C0DF-45B9-9CA8-ACADF479104C}" destId="{58E39D8E-C69C-40FA-A149-966FEC4DC694}" srcOrd="0" destOrd="0" presId="urn:microsoft.com/office/officeart/2005/8/layout/arrow2"/>
+    <dgm:cxn modelId="{3574F7D2-2ED4-4841-80E0-0DAF72D16606}" srcId="{DFE2A561-7C8A-4E71-BB40-128F49716345}" destId="{489BD5A0-6969-4FD8-844B-F84D73361C89}" srcOrd="0" destOrd="0" parTransId="{B27ACF6A-5813-445A-8825-B66CF346D206}" sibTransId="{90B661EF-5914-4B68-ADD4-0EF9C3A39F12}"/>
+    <dgm:cxn modelId="{75B9CA0E-CE2A-4585-ACEC-D154FE074423}" srcId="{8662D02D-C0DF-45B9-9CA8-ACADF479104C}" destId="{DFE2A561-7C8A-4E71-BB40-128F49716345}" srcOrd="0" destOrd="0" parTransId="{226795FF-26D9-4A79-941F-C3A6407D8B35}" sibTransId="{8DBFE57B-E572-47F9-B619-BF54D6201933}"/>
+    <dgm:cxn modelId="{B93586DC-BD36-4F6F-AA0C-43C7241AE9DB}" type="presOf" srcId="{99F16189-4A3A-4CFC-8DDB-7DA2028E3F07}" destId="{FE32940C-1419-4213-9E1A-2D99E79E8EBB}" srcOrd="0" destOrd="0" presId="urn:microsoft.com/office/officeart/2005/8/layout/arrow2"/>
+    <dgm:cxn modelId="{31BF289F-1994-4AFD-B4D6-C2AB93B40214}" type="presOf" srcId="{C2B11AFF-E799-4891-8239-BCC8A62CEC10}" destId="{82FDCF26-43B0-4EC9-BBCE-B38BEBD6CE05}" srcOrd="0" destOrd="1" presId="urn:microsoft.com/office/officeart/2005/8/layout/arrow2"/>
+    <dgm:cxn modelId="{66147B97-298D-45C5-9A50-B464C93D618D}" type="presOf" srcId="{EA3A863E-570E-4EB8-BFD6-CF5FADBE5C46}" destId="{FE32940C-1419-4213-9E1A-2D99E79E8EBB}" srcOrd="0" destOrd="1" presId="urn:microsoft.com/office/officeart/2005/8/layout/arrow2"/>
+    <dgm:cxn modelId="{D966AEA1-A8C1-4F92-9305-9B35A567B410}" srcId="{C2B11AFF-E799-4891-8239-BCC8A62CEC10}" destId="{EB0AC123-D704-403D-B71E-133CE2355D88}" srcOrd="2" destOrd="0" parTransId="{C195D75E-2875-4B37-A775-D6EFF3978C90}" sibTransId="{8C4E6F59-3CD7-43AA-B9FE-DF7F63C41764}"/>
+    <dgm:cxn modelId="{2505018C-F45E-46F8-A9F3-7939A1F57655}" type="presOf" srcId="{38F54AE6-E0FA-4DD5-A0D5-221E734A11ED}" destId="{9D487184-28A2-449B-B1B2-2D99ECD47F2D}" srcOrd="0" destOrd="2" presId="urn:microsoft.com/office/officeart/2005/8/layout/arrow2"/>
     <dgm:cxn modelId="{ACB43979-6885-4948-A26B-57B5AE9A7638}" srcId="{C2B11AFF-E799-4891-8239-BCC8A62CEC10}" destId="{1BD45B29-13C6-4A82-9C9F-80E345BEC4B1}" srcOrd="1" destOrd="0" parTransId="{720BE899-D0A5-4794-B98E-F5D37B163FA9}" sibTransId="{506CC278-B1B6-41E0-B4ED-BB8E5E25AF78}"/>
-    <dgm:cxn modelId="{92E92947-7ACF-4E31-ABEE-13951469F38E}" type="presOf" srcId="{1BD45B29-13C6-4A82-9C9F-80E345BEC4B1}" destId="{82FDCF26-43B0-4EC9-BBCE-B38BEBD6CE05}" srcOrd="0" destOrd="3" presId="urn:microsoft.com/office/officeart/2005/8/layout/arrow2"/>
+    <dgm:cxn modelId="{9BD72366-1DAD-4826-BBFF-A6C1E913118C}" type="presOf" srcId="{EB0AC123-D704-403D-B71E-133CE2355D88}" destId="{82FDCF26-43B0-4EC9-BBCE-B38BEBD6CE05}" srcOrd="0" destOrd="4" presId="urn:microsoft.com/office/officeart/2005/8/layout/arrow2"/>
+    <dgm:cxn modelId="{405EF71A-CDE6-482E-8FC6-30A07A4440F7}" srcId="{8662D02D-C0DF-45B9-9CA8-ACADF479104C}" destId="{E3438905-02E3-449A-8689-7CDEED8B7C98}" srcOrd="2" destOrd="0" parTransId="{C3498F41-A37F-4950-AC82-76C4F870A38E}" sibTransId="{83940C23-8630-448E-831A-F0591440F056}"/>
     <dgm:cxn modelId="{C1BA546A-3976-4F37-8B4C-4F98728C78E1}" type="presOf" srcId="{0556176A-6CC3-475A-B183-9C2DABC87862}" destId="{82FDCF26-43B0-4EC9-BBCE-B38BEBD6CE05}" srcOrd="0" destOrd="2" presId="urn:microsoft.com/office/officeart/2005/8/layout/arrow2"/>
-    <dgm:cxn modelId="{405EF71A-CDE6-482E-8FC6-30A07A4440F7}" srcId="{8662D02D-C0DF-45B9-9CA8-ACADF479104C}" destId="{E3438905-02E3-449A-8689-7CDEED8B7C98}" srcOrd="2" destOrd="0" parTransId="{C3498F41-A37F-4950-AC82-76C4F870A38E}" sibTransId="{83940C23-8630-448E-831A-F0591440F056}"/>
-    <dgm:cxn modelId="{AE3534B0-354B-4821-BB98-E286CB675ACE}" type="presOf" srcId="{DFE2A561-7C8A-4E71-BB40-128F49716345}" destId="{9D487184-28A2-449B-B1B2-2D99ECD47F2D}" srcOrd="0" destOrd="0" presId="urn:microsoft.com/office/officeart/2005/8/layout/arrow2"/>
-    <dgm:cxn modelId="{B893BD71-D2CF-4E83-A735-30A199C1CEF9}" srcId="{C2B11AFF-E799-4891-8239-BCC8A62CEC10}" destId="{0556176A-6CC3-475A-B183-9C2DABC87862}" srcOrd="0" destOrd="0" parTransId="{F2DA73CC-7B4B-4178-AEE1-2513CFAD1433}" sibTransId="{824F3435-2FEF-49AD-B3B4-DA23C8E37D80}"/>
-    <dgm:cxn modelId="{BD49D208-830C-4250-9D0D-C89A27F2CD7D}" srcId="{E3438905-02E3-449A-8689-7CDEED8B7C98}" destId="{C2B11AFF-E799-4891-8239-BCC8A62CEC10}" srcOrd="0" destOrd="0" parTransId="{1811ECAA-F3AD-4B18-B30D-512E9230DEE4}" sibTransId="{93FF218F-F43B-4691-8DE1-27F4FDE36CE9}"/>
-    <dgm:cxn modelId="{66147B97-298D-45C5-9A50-B464C93D618D}" type="presOf" srcId="{EA3A863E-570E-4EB8-BFD6-CF5FADBE5C46}" destId="{FE32940C-1419-4213-9E1A-2D99E79E8EBB}" srcOrd="0" destOrd="1" presId="urn:microsoft.com/office/officeart/2005/8/layout/arrow2"/>
     <dgm:cxn modelId="{23E1571A-7385-4305-A252-BC7A99FCB300}" srcId="{489BD5A0-6969-4FD8-844B-F84D73361C89}" destId="{38F54AE6-E0FA-4DD5-A0D5-221E734A11ED}" srcOrd="0" destOrd="0" parTransId="{F84AA543-346D-46B5-8928-DCE17C4D4658}" sibTransId="{385563FE-DC55-4AF0-96ED-9A6B4C3E5D80}"/>
-    <dgm:cxn modelId="{2505018C-F45E-46F8-A9F3-7939A1F57655}" type="presOf" srcId="{38F54AE6-E0FA-4DD5-A0D5-221E734A11ED}" destId="{9D487184-28A2-449B-B1B2-2D99ECD47F2D}" srcOrd="0" destOrd="2" presId="urn:microsoft.com/office/officeart/2005/8/layout/arrow2"/>
-    <dgm:cxn modelId="{1B9CE65F-A640-4622-B726-11A071DBF5DC}" srcId="{8662D02D-C0DF-45B9-9CA8-ACADF479104C}" destId="{99F16189-4A3A-4CFC-8DDB-7DA2028E3F07}" srcOrd="1" destOrd="0" parTransId="{7530A670-E05B-47E8-BABC-84AFE91B827C}" sibTransId="{63A6B33D-600C-4E90-A32E-FCC21FC2786D}"/>
-    <dgm:cxn modelId="{75B9CA0E-CE2A-4585-ACEC-D154FE074423}" srcId="{8662D02D-C0DF-45B9-9CA8-ACADF479104C}" destId="{DFE2A561-7C8A-4E71-BB40-128F49716345}" srcOrd="0" destOrd="0" parTransId="{226795FF-26D9-4A79-941F-C3A6407D8B35}" sibTransId="{8DBFE57B-E572-47F9-B619-BF54D6201933}"/>
-    <dgm:cxn modelId="{231305D9-8B84-43D3-A4CD-E9482A5ADA13}" type="presOf" srcId="{E3438905-02E3-449A-8689-7CDEED8B7C98}" destId="{82FDCF26-43B0-4EC9-BBCE-B38BEBD6CE05}" srcOrd="0" destOrd="0" presId="urn:microsoft.com/office/officeart/2005/8/layout/arrow2"/>
-    <dgm:cxn modelId="{B93586DC-BD36-4F6F-AA0C-43C7241AE9DB}" type="presOf" srcId="{99F16189-4A3A-4CFC-8DDB-7DA2028E3F07}" destId="{FE32940C-1419-4213-9E1A-2D99E79E8EBB}" srcOrd="0" destOrd="0" presId="urn:microsoft.com/office/officeart/2005/8/layout/arrow2"/>
-    <dgm:cxn modelId="{76187162-6E4C-4A94-A8AB-29CE58A59354}" type="presOf" srcId="{8662D02D-C0DF-45B9-9CA8-ACADF479104C}" destId="{58E39D8E-C69C-40FA-A149-966FEC4DC694}" srcOrd="0" destOrd="0" presId="urn:microsoft.com/office/officeart/2005/8/layout/arrow2"/>
-    <dgm:cxn modelId="{27E6D726-CDE5-4AF4-A2B4-10B275630415}" type="presOf" srcId="{489BD5A0-6969-4FD8-844B-F84D73361C89}" destId="{9D487184-28A2-449B-B1B2-2D99ECD47F2D}" srcOrd="0" destOrd="1" presId="urn:microsoft.com/office/officeart/2005/8/layout/arrow2"/>
-    <dgm:cxn modelId="{31BF289F-1994-4AFD-B4D6-C2AB93B40214}" type="presOf" srcId="{C2B11AFF-E799-4891-8239-BCC8A62CEC10}" destId="{82FDCF26-43B0-4EC9-BBCE-B38BEBD6CE05}" srcOrd="0" destOrd="1" presId="urn:microsoft.com/office/officeart/2005/8/layout/arrow2"/>
-    <dgm:cxn modelId="{B84E9588-6C5C-4FFC-A0D8-FA0C03572B94}" srcId="{99F16189-4A3A-4CFC-8DDB-7DA2028E3F07}" destId="{EA3A863E-570E-4EB8-BFD6-CF5FADBE5C46}" srcOrd="0" destOrd="0" parTransId="{42F4EF82-973B-4B82-98F1-515D195AE6EC}" sibTransId="{CCDC4233-8D30-4B3B-8366-3B2F3553A01C}"/>
-    <dgm:cxn modelId="{D966AEA1-A8C1-4F92-9305-9B35A567B410}" srcId="{C2B11AFF-E799-4891-8239-BCC8A62CEC10}" destId="{EB0AC123-D704-403D-B71E-133CE2355D88}" srcOrd="2" destOrd="0" parTransId="{C195D75E-2875-4B37-A775-D6EFF3978C90}" sibTransId="{8C4E6F59-3CD7-43AA-B9FE-DF7F63C41764}"/>
-    <dgm:cxn modelId="{9BD72366-1DAD-4826-BBFF-A6C1E913118C}" type="presOf" srcId="{EB0AC123-D704-403D-B71E-133CE2355D88}" destId="{82FDCF26-43B0-4EC9-BBCE-B38BEBD6CE05}" srcOrd="0" destOrd="4" presId="urn:microsoft.com/office/officeart/2005/8/layout/arrow2"/>
-    <dgm:cxn modelId="{3574F7D2-2ED4-4841-80E0-0DAF72D16606}" srcId="{DFE2A561-7C8A-4E71-BB40-128F49716345}" destId="{489BD5A0-6969-4FD8-844B-F84D73361C89}" srcOrd="0" destOrd="0" parTransId="{B27ACF6A-5813-445A-8825-B66CF346D206}" sibTransId="{90B661EF-5914-4B68-ADD4-0EF9C3A39F12}"/>
     <dgm:cxn modelId="{1401DE7E-2BD9-42C5-BC67-BEE519497B4F}" type="presParOf" srcId="{58E39D8E-C69C-40FA-A149-966FEC4DC694}" destId="{B1C10693-3FDF-4C3C-AEC2-94B276C40A46}" srcOrd="0" destOrd="0" presId="urn:microsoft.com/office/officeart/2005/8/layout/arrow2"/>
     <dgm:cxn modelId="{CB4FEB48-C4B6-40F5-897D-F1649956D75D}" type="presParOf" srcId="{58E39D8E-C69C-40FA-A149-966FEC4DC694}" destId="{48944F44-C94F-41DD-A073-A0E89B68CACA}" srcOrd="1" destOrd="0" presId="urn:microsoft.com/office/officeart/2005/8/layout/arrow2"/>
     <dgm:cxn modelId="{3C9261B3-9DB9-40BD-8557-38FBCE6652BC}" type="presParOf" srcId="{48944F44-C94F-41DD-A073-A0E89B68CACA}" destId="{CAAE3274-8468-4101-85FF-9A9E0AD31838}" srcOrd="0" destOrd="0" presId="urn:microsoft.com/office/officeart/2005/8/layout/arrow2"/>
@@ -1401,7 +1429,7 @@
       </dsp:nvSpPr>
       <dsp:spPr>
         <a:xfrm>
-          <a:off x="0" y="126999"/>
+          <a:off x="0" y="121089"/>
           <a:ext cx="6096000" cy="3810000"/>
         </a:xfrm>
         <a:prstGeom prst="swooshArrow">
@@ -1443,9 +1471,9 @@
         <dsp:cNvSpPr/>
       </dsp:nvSpPr>
       <dsp:spPr>
-        <a:xfrm>
-          <a:off x="774192" y="2756661"/>
-          <a:ext cx="158496" cy="158496"/>
+        <a:xfrm flipV="1">
+          <a:off x="459078" y="2464049"/>
+          <a:ext cx="788722" cy="731901"/>
         </a:xfrm>
         <a:prstGeom prst="ellipse">
           <a:avLst/>
@@ -1493,8 +1521,8 @@
       </dsp:nvSpPr>
       <dsp:spPr>
         <a:xfrm>
-          <a:off x="853440" y="2835910"/>
-          <a:ext cx="1420368" cy="1101090"/>
+          <a:off x="887763" y="2818179"/>
+          <a:ext cx="1351721" cy="1124730"/>
         </a:xfrm>
         <a:prstGeom prst="rect">
           <a:avLst/>
@@ -1586,8 +1614,8 @@
         </a:p>
       </dsp:txBody>
       <dsp:txXfrm>
-        <a:off x="853440" y="2835910"/>
-        <a:ext cx="1420368" cy="1101090"/>
+        <a:off x="887763" y="2818179"/>
+        <a:ext cx="1351721" cy="1124730"/>
       </dsp:txXfrm>
     </dsp:sp>
     <dsp:sp modelId="{E2E41673-D875-44C9-BEA9-248F9593D341}">
@@ -1597,8 +1625,8 @@
       </dsp:nvSpPr>
       <dsp:spPr>
         <a:xfrm>
-          <a:off x="2173224" y="1721103"/>
-          <a:ext cx="286512" cy="286512"/>
+          <a:off x="1800983" y="1383928"/>
+          <a:ext cx="1030993" cy="949042"/>
         </a:xfrm>
         <a:prstGeom prst="ellipse">
           <a:avLst/>
@@ -1646,7 +1674,7 @@
       </dsp:nvSpPr>
       <dsp:spPr>
         <a:xfrm>
-          <a:off x="2316480" y="1864359"/>
+          <a:off x="2316480" y="1858449"/>
           <a:ext cx="1463040" cy="2072640"/>
         </a:xfrm>
         <a:prstGeom prst="rect">
@@ -1722,7 +1750,7 @@
         </a:p>
       </dsp:txBody>
       <dsp:txXfrm>
-        <a:off x="2316480" y="1864359"/>
+        <a:off x="2316480" y="1858449"/>
         <a:ext cx="1463040" cy="2072640"/>
       </dsp:txXfrm>
     </dsp:sp>
@@ -1733,8 +1761,8 @@
       </dsp:nvSpPr>
       <dsp:spPr>
         <a:xfrm>
-          <a:off x="3855720" y="1090929"/>
-          <a:ext cx="396240" cy="396240"/>
+          <a:off x="3403495" y="663848"/>
+          <a:ext cx="1300689" cy="1238582"/>
         </a:xfrm>
         <a:prstGeom prst="ellipse">
           <a:avLst/>
@@ -1782,7 +1810,7 @@
       </dsp:nvSpPr>
       <dsp:spPr>
         <a:xfrm>
-          <a:off x="4053840" y="1289049"/>
+          <a:off x="4053840" y="1283139"/>
           <a:ext cx="1463040" cy="2647950"/>
         </a:xfrm>
         <a:prstGeom prst="rect">
@@ -1907,7 +1935,7 @@
         </a:p>
       </dsp:txBody>
       <dsp:txXfrm>
-        <a:off x="4053840" y="1289049"/>
+        <a:off x="4053840" y="1283139"/>
         <a:ext cx="1463040" cy="2647950"/>
       </dsp:txXfrm>
     </dsp:sp>
@@ -4775,7 +4803,7 @@
           <a:p>
             <a:fld id="{C7A23BCF-35B9-48CD-A265-3A9E81649D9E}" type="datetimeFigureOut">
               <a:rPr lang="en-US" smtClean="0"/>
-              <a:t>3/12/2017</a:t>
+              <a:t>3/18/2017</a:t>
             </a:fld>
             <a:endParaRPr lang="en-US"/>
           </a:p>
@@ -4945,7 +4973,7 @@
           <a:p>
             <a:fld id="{C7A23BCF-35B9-48CD-A265-3A9E81649D9E}" type="datetimeFigureOut">
               <a:rPr lang="en-US" smtClean="0"/>
-              <a:t>3/12/2017</a:t>
+              <a:t>3/18/2017</a:t>
             </a:fld>
             <a:endParaRPr lang="en-US"/>
           </a:p>
@@ -5125,7 +5153,7 @@
           <a:p>
             <a:fld id="{C7A23BCF-35B9-48CD-A265-3A9E81649D9E}" type="datetimeFigureOut">
               <a:rPr lang="en-US" smtClean="0"/>
-              <a:t>3/12/2017</a:t>
+              <a:t>3/18/2017</a:t>
             </a:fld>
             <a:endParaRPr lang="en-US"/>
           </a:p>
@@ -5295,7 +5323,7 @@
           <a:p>
             <a:fld id="{C7A23BCF-35B9-48CD-A265-3A9E81649D9E}" type="datetimeFigureOut">
               <a:rPr lang="en-US" smtClean="0"/>
-              <a:t>3/12/2017</a:t>
+              <a:t>3/18/2017</a:t>
             </a:fld>
             <a:endParaRPr lang="en-US"/>
           </a:p>
@@ -5541,7 +5569,7 @@
           <a:p>
             <a:fld id="{C7A23BCF-35B9-48CD-A265-3A9E81649D9E}" type="datetimeFigureOut">
               <a:rPr lang="en-US" smtClean="0"/>
-              <a:t>3/12/2017</a:t>
+              <a:t>3/18/2017</a:t>
             </a:fld>
             <a:endParaRPr lang="en-US"/>
           </a:p>
@@ -5829,7 +5857,7 @@
           <a:p>
             <a:fld id="{C7A23BCF-35B9-48CD-A265-3A9E81649D9E}" type="datetimeFigureOut">
               <a:rPr lang="en-US" smtClean="0"/>
-              <a:t>3/12/2017</a:t>
+              <a:t>3/18/2017</a:t>
             </a:fld>
             <a:endParaRPr lang="en-US"/>
           </a:p>
@@ -6251,7 +6279,7 @@
           <a:p>
             <a:fld id="{C7A23BCF-35B9-48CD-A265-3A9E81649D9E}" type="datetimeFigureOut">
               <a:rPr lang="en-US" smtClean="0"/>
-              <a:t>3/12/2017</a:t>
+              <a:t>3/18/2017</a:t>
             </a:fld>
             <a:endParaRPr lang="en-US"/>
           </a:p>
@@ -6369,7 +6397,7 @@
           <a:p>
             <a:fld id="{C7A23BCF-35B9-48CD-A265-3A9E81649D9E}" type="datetimeFigureOut">
               <a:rPr lang="en-US" smtClean="0"/>
-              <a:t>3/12/2017</a:t>
+              <a:t>3/18/2017</a:t>
             </a:fld>
             <a:endParaRPr lang="en-US"/>
           </a:p>
@@ -6464,7 +6492,7 @@
           <a:p>
             <a:fld id="{C7A23BCF-35B9-48CD-A265-3A9E81649D9E}" type="datetimeFigureOut">
               <a:rPr lang="en-US" smtClean="0"/>
-              <a:t>3/12/2017</a:t>
+              <a:t>3/18/2017</a:t>
             </a:fld>
             <a:endParaRPr lang="en-US"/>
           </a:p>
@@ -6741,7 +6769,7 @@
           <a:p>
             <a:fld id="{C7A23BCF-35B9-48CD-A265-3A9E81649D9E}" type="datetimeFigureOut">
               <a:rPr lang="en-US" smtClean="0"/>
-              <a:t>3/12/2017</a:t>
+              <a:t>3/18/2017</a:t>
             </a:fld>
             <a:endParaRPr lang="en-US"/>
           </a:p>
@@ -6994,7 +7022,7 @@
           <a:p>
             <a:fld id="{C7A23BCF-35B9-48CD-A265-3A9E81649D9E}" type="datetimeFigureOut">
               <a:rPr lang="en-US" smtClean="0"/>
-              <a:t>3/12/2017</a:t>
+              <a:t>3/18/2017</a:t>
             </a:fld>
             <a:endParaRPr lang="en-US"/>
           </a:p>
@@ -7207,7 +7235,7 @@
           <a:p>
             <a:fld id="{C7A23BCF-35B9-48CD-A265-3A9E81649D9E}" type="datetimeFigureOut">
               <a:rPr lang="en-US" smtClean="0"/>
-              <a:t>3/12/2017</a:t>
+              <a:t>3/18/2017</a:t>
             </a:fld>
             <a:endParaRPr lang="en-US"/>
           </a:p>
@@ -7589,7 +7617,7 @@
           <p:nvPr>
             <p:extLst>
               <p:ext uri="{D42A27DB-BD31-4B8C-83A1-F6EECF244321}">
-                <p14:modId xmlns:p14="http://schemas.microsoft.com/office/powerpoint/2010/main" val="992436907"/>
+                <p14:modId xmlns:p14="http://schemas.microsoft.com/office/powerpoint/2010/main" val="4253985030"/>
               </p:ext>
             </p:extLst>
           </p:nvPr>
